--- a/XXX-IncrementalSynapsePipelines/Coach/Resources/Automating Incremental Pipelines.pptx
+++ b/XXX-IncrementalSynapsePipelines/Coach/Resources/Automating Incremental Pipelines.pptx
@@ -3869,7 +3869,31 @@
           <a:p>
             <a:r>
               <a:rPr lang="en-US" dirty="0"/>
-              <a:t>Be able to setup an environment to incrementally copy data from an Azure SQL Database to </a:t>
+              <a:t>Be able to setup an environment to incrementally copy data from an Azure SQL Database to a Synapse Dedicated Pool.</a:t>
+            </a:r>
+          </a:p>
+          <a:p>
+            <a:r>
+              <a:rPr lang="en-US" dirty="0"/>
+              <a:t>Not all tables should be copied. </a:t>
+            </a:r>
+          </a:p>
+          <a:p>
+            <a:r>
+              <a:rPr lang="en-US" dirty="0"/>
+              <a:t>Use a watermark table to validate last copied execution in case of a trigger failure.</a:t>
+            </a:r>
+          </a:p>
+          <a:p>
+            <a:r>
+              <a:rPr lang="en-US" dirty="0"/>
+              <a:t>Use of Staging Tables and how to copy those to production tables and use the proper distribution model.</a:t>
+            </a:r>
+          </a:p>
+          <a:p>
+            <a:r>
+              <a:rPr lang="en-US" dirty="0"/>
+              <a:t>How does this compare to Synapse Link for Azure SQL?</a:t>
             </a:r>
           </a:p>
         </p:txBody>

--- a/XXX-IncrementalSynapsePipelines/Coach/Resources/Automating Incremental Pipelines.pptx
+++ b/XXX-IncrementalSynapsePipelines/Coach/Resources/Automating Incremental Pipelines.pptx
@@ -5,16 +5,17 @@
     <p:sldMasterId id="2147483648" r:id="rId1"/>
   </p:sldMasterIdLst>
   <p:notesMasterIdLst>
-    <p:notesMasterId r:id="rId6"/>
+    <p:notesMasterId r:id="rId7"/>
   </p:notesMasterIdLst>
   <p:handoutMasterIdLst>
-    <p:handoutMasterId r:id="rId7"/>
+    <p:handoutMasterId r:id="rId8"/>
   </p:handoutMasterIdLst>
   <p:sldIdLst>
     <p:sldId id="256" r:id="rId2"/>
     <p:sldId id="265" r:id="rId3"/>
     <p:sldId id="277" r:id="rId4"/>
     <p:sldId id="276" r:id="rId5"/>
+    <p:sldId id="278" r:id="rId6"/>
   </p:sldIdLst>
   <p:sldSz cx="12192000" cy="6858000"/>
   <p:notesSz cx="6858000" cy="9144000"/>
@@ -3854,7 +3855,7 @@
         <p:spPr/>
         <p:txBody>
           <a:bodyPr>
-            <a:normAutofit/>
+            <a:normAutofit lnSpcReduction="10000"/>
           </a:bodyPr>
           <a:lstStyle/>
           <a:p>
@@ -3875,7 +3876,7 @@
           <a:p>
             <a:r>
               <a:rPr lang="en-US" dirty="0"/>
-              <a:t>Not all tables should be copied. </a:t>
+              <a:t>All tables should be copied initially but only choose a few for incremental copying. </a:t>
             </a:r>
           </a:p>
           <a:p>
@@ -3888,6 +3889,12 @@
             <a:r>
               <a:rPr lang="en-US" dirty="0"/>
               <a:t>Use of Staging Tables and how to copy those to production tables and use the proper distribution model.</a:t>
+            </a:r>
+          </a:p>
+          <a:p>
+            <a:r>
+              <a:rPr lang="en-US" dirty="0"/>
+              <a:t>Resources are available for you</a:t>
             </a:r>
           </a:p>
           <a:p>
@@ -4191,6 +4198,151 @@
     <p:extLst>
       <p:ext uri="{BB962C8B-B14F-4D97-AF65-F5344CB8AC3E}">
         <p14:creationId xmlns:p14="http://schemas.microsoft.com/office/powerpoint/2010/main" val="4211976020"/>
+      </p:ext>
+    </p:extLst>
+  </p:cSld>
+  <p:clrMapOvr>
+    <a:masterClrMapping/>
+  </p:clrMapOvr>
+</p:sld>
+</file>
+
+<file path=ppt/slides/slide5.xml><?xml version="1.0" encoding="utf-8"?>
+<p:sld xmlns:a="http://schemas.openxmlformats.org/drawingml/2006/main" xmlns:r="http://schemas.openxmlformats.org/officeDocument/2006/relationships" xmlns:p="http://schemas.openxmlformats.org/presentationml/2006/main">
+  <p:cSld>
+    <p:spTree>
+      <p:nvGrpSpPr>
+        <p:cNvPr id="1" name=""/>
+        <p:cNvGrpSpPr/>
+        <p:nvPr/>
+      </p:nvGrpSpPr>
+      <p:grpSpPr>
+        <a:xfrm>
+          <a:off x="0" y="0"/>
+          <a:ext cx="0" cy="0"/>
+          <a:chOff x="0" y="0"/>
+          <a:chExt cx="0" cy="0"/>
+        </a:xfrm>
+      </p:grpSpPr>
+      <p:sp>
+        <p:nvSpPr>
+          <p:cNvPr id="13" name="Title 12"/>
+          <p:cNvSpPr>
+            <a:spLocks noGrp="1"/>
+          </p:cNvSpPr>
+          <p:nvPr>
+            <p:ph type="title"/>
+          </p:nvPr>
+        </p:nvSpPr>
+        <p:spPr>
+          <a:xfrm>
+            <a:off x="609600" y="457200"/>
+            <a:ext cx="10896600" cy="1143000"/>
+          </a:xfrm>
+        </p:spPr>
+        <p:txBody>
+          <a:bodyPr/>
+          <a:lstStyle/>
+          <a:p>
+            <a:pPr algn="ctr"/>
+            <a:r>
+              <a:rPr lang="en-US" sz="4000" dirty="0"/>
+              <a:t>Automating Incremental Pipelines</a:t>
+            </a:r>
+            <a:br>
+              <a:rPr lang="en-US" dirty="0"/>
+            </a:br>
+            <a:r>
+              <a:rPr lang="en-US" dirty="0"/>
+              <a:t>(Azure SQL -&gt; Synapse Dedicated Pool)</a:t>
+            </a:r>
+          </a:p>
+        </p:txBody>
+      </p:sp>
+      <p:sp>
+        <p:nvSpPr>
+          <p:cNvPr id="14" name="Content Placeholder 13"/>
+          <p:cNvSpPr>
+            <a:spLocks noGrp="1"/>
+          </p:cNvSpPr>
+          <p:nvPr>
+            <p:ph idx="1"/>
+          </p:nvPr>
+        </p:nvSpPr>
+        <p:spPr/>
+        <p:txBody>
+          <a:bodyPr>
+            <a:normAutofit/>
+          </a:bodyPr>
+          <a:lstStyle/>
+          <a:p>
+            <a:pPr marL="0" indent="0">
+              <a:buNone/>
+            </a:pPr>
+            <a:r>
+              <a:rPr lang="en-US" b="1" dirty="0"/>
+              <a:t>Team Interaction</a:t>
+            </a:r>
+          </a:p>
+          <a:p>
+            <a:r>
+              <a:rPr lang="en-US" b="1" dirty="0"/>
+              <a:t>2 Teams</a:t>
+            </a:r>
+          </a:p>
+          <a:p>
+            <a:pPr lvl="1"/>
+            <a:r>
+              <a:rPr lang="en-US" b="1" dirty="0"/>
+              <a:t>Squad 1 – Steve DeMarco, Mark Badger, Saswata Sengupta</a:t>
+            </a:r>
+          </a:p>
+          <a:p>
+            <a:pPr lvl="1"/>
+            <a:r>
+              <a:rPr lang="en-US" b="1" dirty="0"/>
+              <a:t>Squad 2 – Milind Modi, James Xu, Rodney Elmore, Jordan Bean</a:t>
+            </a:r>
+          </a:p>
+          <a:p>
+            <a:r>
+              <a:rPr lang="en-US" b="1" dirty="0"/>
+              <a:t>Please utilize your Teams channel for chats</a:t>
+            </a:r>
+          </a:p>
+          <a:p>
+            <a:r>
+              <a:rPr lang="en-US" b="1" dirty="0"/>
+              <a:t>Use the Meet button within your channel to collaborate together.</a:t>
+            </a:r>
+          </a:p>
+          <a:p>
+            <a:pPr lvl="1"/>
+            <a:r>
+              <a:rPr lang="en-US" b="1" dirty="0"/>
+              <a:t>Share screens, chat as needed, etc.</a:t>
+            </a:r>
+          </a:p>
+          <a:p>
+            <a:pPr lvl="1"/>
+            <a:r>
+              <a:rPr lang="en-US" b="1" dirty="0"/>
+              <a:t>Video is optional</a:t>
+            </a:r>
+          </a:p>
+          <a:p>
+            <a:pPr lvl="1"/>
+            <a:r>
+              <a:rPr lang="en-US" b="1" dirty="0"/>
+              <a:t>Only mute when necessary… family background noise is part of life these days</a:t>
+            </a:r>
+          </a:p>
+        </p:txBody>
+      </p:sp>
+    </p:spTree>
+    <p:extLst>
+      <p:ext uri="{BB962C8B-B14F-4D97-AF65-F5344CB8AC3E}">
+        <p14:creationId xmlns:p14="http://schemas.microsoft.com/office/powerpoint/2010/main" val="1234620010"/>
       </p:ext>
     </p:extLst>
   </p:cSld>

--- a/XXX-IncrementalSynapsePipelines/Coach/Resources/Automating Incremental Pipelines.pptx
+++ b/XXX-IncrementalSynapsePipelines/Coach/Resources/Automating Incremental Pipelines.pptx
@@ -4294,7 +4294,7 @@
             <a:pPr lvl="1"/>
             <a:r>
               <a:rPr lang="en-US" b="1" dirty="0"/>
-              <a:t>Squad 1 – Steve DeMarco, Mark Badger, Saswata Sengupta</a:t>
+              <a:t>Squad 1 – Steve DeMarco, Mark Badger, Saswata Sengupta, Ali Asgar Juzer</a:t>
             </a:r>
           </a:p>
           <a:p>
@@ -4307,7 +4307,7 @@
           <a:p>
             <a:r>
               <a:rPr lang="en-US" b="1" dirty="0"/>
-              <a:t>Please utilize your Teams channel for chats</a:t>
+              <a:t>Please utilize your Teams channel for your squad collaboration</a:t>
             </a:r>
           </a:p>
           <a:p>
